--- a/Abdul_Nigeria_Power_Outage_Analysis.pptx
+++ b/Abdul_Nigeria_Power_Outage_Analysis.pptx
@@ -3876,7 +3876,7 @@
               <a:buNone/>
               <a:defRPr sz="1800"/>
             </a:pPr>
-            <a:endParaRPr lang="en-US" sz="2600" b="1" i="1" kern="100" dirty="0">
+            <a:endParaRPr lang="en-US" sz="1800" b="1" i="1" kern="100" dirty="0">
               <a:latin typeface="Aptos" panose="020B0004020202020204" pitchFamily="34" charset="0"/>
               <a:cs typeface="Times New Roman" panose="02020603050405020304" pitchFamily="18" charset="0"/>
             </a:endParaRPr>
@@ -3891,7 +3891,7 @@
                 <a:latin typeface="Aptos" panose="020B0004020202020204" pitchFamily="34" charset="0"/>
                 <a:cs typeface="Times New Roman" panose="02020603050405020304" pitchFamily="18" charset="0"/>
               </a:rPr>
-              <a:t>Note:</a:t>
+              <a:t>Note: </a:t>
             </a:r>
             <a:endParaRPr lang="en-US" sz="2300" dirty="0">
               <a:latin typeface="Aptos" panose="020B0004020202020204" pitchFamily="34" charset="0"/>
@@ -3965,17 +3965,20 @@
               </a:rPr>
               <a:t> the challenge is infrastructure, not randomness.</a:t>
             </a:r>
+            <a:endParaRPr lang="en-NG" sz="2300" i="1" dirty="0">
+              <a:latin typeface="Aptos" panose="020B0004020202020204" pitchFamily="34" charset="0"/>
+            </a:endParaRPr>
           </a:p>
           <a:p>
             <a:pPr marL="0" indent="0">
               <a:buNone/>
             </a:pPr>
             <a:br>
-              <a:rPr dirty="0">
+              <a:rPr lang="en-US" dirty="0">
                 <a:latin typeface="Aptos" panose="020B0004020202020204" pitchFamily="34" charset="0"/>
               </a:rPr>
             </a:br>
-            <a:endParaRPr dirty="0">
+            <a:endParaRPr lang="en-US" dirty="0">
               <a:latin typeface="Aptos" panose="020B0004020202020204" pitchFamily="34" charset="0"/>
             </a:endParaRPr>
           </a:p>
@@ -4025,11 +4028,13 @@
         <p:spPr>
           <a:xfrm>
             <a:off x="304801" y="256674"/>
-            <a:ext cx="8598568" cy="5855367"/>
+            <a:ext cx="8598568" cy="6601326"/>
           </a:xfrm>
         </p:spPr>
         <p:txBody>
-          <a:bodyPr/>
+          <a:bodyPr>
+            <a:normAutofit/>
+          </a:bodyPr>
           <a:lstStyle/>
           <a:p>
             <a:pPr marL="0" indent="0">
@@ -4074,7 +4079,49 @@
               </a:rPr>
               <a:t>		Thank You For Your Time.</a:t>
             </a:r>
-            <a:endParaRPr lang="en-NG" sz="3600" dirty="0">
+          </a:p>
+          <a:p>
+            <a:pPr marL="0" indent="0">
+              <a:buNone/>
+            </a:pPr>
+            <a:r>
+              <a:rPr lang="en-US" sz="3600" dirty="0">
+                <a:latin typeface="Aptos" panose="020B0004020202020204" pitchFamily="34" charset="0"/>
+              </a:rPr>
+              <a:t>		</a:t>
+            </a:r>
+          </a:p>
+          <a:p>
+            <a:pPr marL="0" indent="0">
+              <a:buNone/>
+            </a:pPr>
+            <a:endParaRPr lang="en-US" sz="3600" dirty="0">
+              <a:latin typeface="Aptos" panose="020B0004020202020204" pitchFamily="34" charset="0"/>
+            </a:endParaRPr>
+          </a:p>
+          <a:p>
+            <a:pPr marL="0" indent="0">
+              <a:buNone/>
+            </a:pPr>
+            <a:r>
+              <a:rPr lang="en-US" sz="1600" dirty="0">
+                <a:latin typeface="Aptos" panose="020B0004020202020204" pitchFamily="34" charset="0"/>
+              </a:rPr>
+              <a:t>	</a:t>
+            </a:r>
+            <a:r>
+              <a:rPr lang="en-US" sz="1600" dirty="0" err="1">
+                <a:latin typeface="Aptos" panose="020B0004020202020204" pitchFamily="34" charset="0"/>
+              </a:rPr>
+              <a:t>Streamlit</a:t>
+            </a:r>
+            <a:r>
+              <a:rPr lang="en-US" sz="1600" dirty="0">
+                <a:latin typeface="Aptos" panose="020B0004020202020204" pitchFamily="34" charset="0"/>
+              </a:rPr>
+              <a:t> Prediction Web App (https://dp-abdul-machinelearning.streamlit.app/)</a:t>
+            </a:r>
+            <a:endParaRPr lang="en-NG" sz="1600" dirty="0">
               <a:latin typeface="Aptos" panose="020B0004020202020204" pitchFamily="34" charset="0"/>
             </a:endParaRPr>
           </a:p>
